--- a/images/struktur.pptx
+++ b/images/struktur.pptx
@@ -245,7 +245,7 @@
           <a:p>
             <a:fld id="{7E2D5951-10C4-4C91-A0CB-F2192A9ADFE4}" type="datetimeFigureOut">
               <a:rPr lang="de-DE" smtClean="0"/>
-              <a:t>05.09.2023</a:t>
+              <a:t>18.09.2023</a:t>
             </a:fld>
             <a:endParaRPr lang="de-DE"/>
           </a:p>
@@ -415,7 +415,7 @@
           <a:p>
             <a:fld id="{7E2D5951-10C4-4C91-A0CB-F2192A9ADFE4}" type="datetimeFigureOut">
               <a:rPr lang="de-DE" smtClean="0"/>
-              <a:t>05.09.2023</a:t>
+              <a:t>18.09.2023</a:t>
             </a:fld>
             <a:endParaRPr lang="de-DE"/>
           </a:p>
@@ -595,7 +595,7 @@
           <a:p>
             <a:fld id="{7E2D5951-10C4-4C91-A0CB-F2192A9ADFE4}" type="datetimeFigureOut">
               <a:rPr lang="de-DE" smtClean="0"/>
-              <a:t>05.09.2023</a:t>
+              <a:t>18.09.2023</a:t>
             </a:fld>
             <a:endParaRPr lang="de-DE"/>
           </a:p>
@@ -765,7 +765,7 @@
           <a:p>
             <a:fld id="{7E2D5951-10C4-4C91-A0CB-F2192A9ADFE4}" type="datetimeFigureOut">
               <a:rPr lang="de-DE" smtClean="0"/>
-              <a:t>05.09.2023</a:t>
+              <a:t>18.09.2023</a:t>
             </a:fld>
             <a:endParaRPr lang="de-DE"/>
           </a:p>
@@ -1009,7 +1009,7 @@
           <a:p>
             <a:fld id="{7E2D5951-10C4-4C91-A0CB-F2192A9ADFE4}" type="datetimeFigureOut">
               <a:rPr lang="de-DE" smtClean="0"/>
-              <a:t>05.09.2023</a:t>
+              <a:t>18.09.2023</a:t>
             </a:fld>
             <a:endParaRPr lang="de-DE"/>
           </a:p>
@@ -1241,7 +1241,7 @@
           <a:p>
             <a:fld id="{7E2D5951-10C4-4C91-A0CB-F2192A9ADFE4}" type="datetimeFigureOut">
               <a:rPr lang="de-DE" smtClean="0"/>
-              <a:t>05.09.2023</a:t>
+              <a:t>18.09.2023</a:t>
             </a:fld>
             <a:endParaRPr lang="de-DE"/>
           </a:p>
@@ -1608,7 +1608,7 @@
           <a:p>
             <a:fld id="{7E2D5951-10C4-4C91-A0CB-F2192A9ADFE4}" type="datetimeFigureOut">
               <a:rPr lang="de-DE" smtClean="0"/>
-              <a:t>05.09.2023</a:t>
+              <a:t>18.09.2023</a:t>
             </a:fld>
             <a:endParaRPr lang="de-DE"/>
           </a:p>
@@ -1726,7 +1726,7 @@
           <a:p>
             <a:fld id="{7E2D5951-10C4-4C91-A0CB-F2192A9ADFE4}" type="datetimeFigureOut">
               <a:rPr lang="de-DE" smtClean="0"/>
-              <a:t>05.09.2023</a:t>
+              <a:t>18.09.2023</a:t>
             </a:fld>
             <a:endParaRPr lang="de-DE"/>
           </a:p>
@@ -1821,7 +1821,7 @@
           <a:p>
             <a:fld id="{7E2D5951-10C4-4C91-A0CB-F2192A9ADFE4}" type="datetimeFigureOut">
               <a:rPr lang="de-DE" smtClean="0"/>
-              <a:t>05.09.2023</a:t>
+              <a:t>18.09.2023</a:t>
             </a:fld>
             <a:endParaRPr lang="de-DE"/>
           </a:p>
@@ -2098,7 +2098,7 @@
           <a:p>
             <a:fld id="{7E2D5951-10C4-4C91-A0CB-F2192A9ADFE4}" type="datetimeFigureOut">
               <a:rPr lang="de-DE" smtClean="0"/>
-              <a:t>05.09.2023</a:t>
+              <a:t>18.09.2023</a:t>
             </a:fld>
             <a:endParaRPr lang="de-DE"/>
           </a:p>
@@ -2355,7 +2355,7 @@
           <a:p>
             <a:fld id="{7E2D5951-10C4-4C91-A0CB-F2192A9ADFE4}" type="datetimeFigureOut">
               <a:rPr lang="de-DE" smtClean="0"/>
-              <a:t>05.09.2023</a:t>
+              <a:t>18.09.2023</a:t>
             </a:fld>
             <a:endParaRPr lang="de-DE"/>
           </a:p>
@@ -2568,7 +2568,7 @@
           <a:p>
             <a:fld id="{7E2D5951-10C4-4C91-A0CB-F2192A9ADFE4}" type="datetimeFigureOut">
               <a:rPr lang="de-DE" smtClean="0"/>
-              <a:t>05.09.2023</a:t>
+              <a:t>18.09.2023</a:t>
             </a:fld>
             <a:endParaRPr lang="de-DE"/>
           </a:p>
@@ -3121,7 +3121,7 @@
         </p:nvSpPr>
         <p:spPr>
           <a:xfrm>
-            <a:off x="0" y="1695450"/>
+            <a:off x="0" y="1712384"/>
             <a:ext cx="1901242" cy="238125"/>
           </a:xfrm>
           <a:prstGeom prst="rect">
@@ -3326,7 +3326,7 @@
         </p:nvSpPr>
         <p:spPr>
           <a:xfrm>
-            <a:off x="-2322" y="4915426"/>
+            <a:off x="-2322" y="4905901"/>
             <a:ext cx="1901242" cy="1285349"/>
           </a:xfrm>
           <a:prstGeom prst="rect">
@@ -3572,7 +3572,7 @@
         </p:nvSpPr>
         <p:spPr>
           <a:xfrm>
-            <a:off x="0" y="1021080"/>
+            <a:off x="0" y="1009709"/>
             <a:ext cx="1898919" cy="604520"/>
           </a:xfrm>
           <a:prstGeom prst="rect">
@@ -3914,7 +3914,7 @@
         </p:nvSpPr>
         <p:spPr>
           <a:xfrm>
-            <a:off x="5234940" y="2103120"/>
+            <a:off x="5225415" y="2093595"/>
             <a:ext cx="2086560" cy="580692"/>
           </a:xfrm>
           <a:prstGeom prst="rect">
@@ -4015,7 +4015,7 @@
         </p:nvSpPr>
         <p:spPr>
           <a:xfrm>
-            <a:off x="693418" y="7295456"/>
+            <a:off x="693418" y="7304981"/>
             <a:ext cx="1898919" cy="434340"/>
           </a:xfrm>
           <a:prstGeom prst="rect">
@@ -4067,7 +4067,7 @@
         </p:nvSpPr>
         <p:spPr>
           <a:xfrm>
-            <a:off x="949458" y="7793872"/>
+            <a:off x="949458" y="7812922"/>
             <a:ext cx="1898919" cy="276860"/>
           </a:xfrm>
           <a:prstGeom prst="rect">
@@ -4119,7 +4119,7 @@
         </p:nvSpPr>
         <p:spPr>
           <a:xfrm>
-            <a:off x="5140060" y="7681611"/>
+            <a:off x="5130535" y="7681611"/>
             <a:ext cx="2086560" cy="580692"/>
           </a:xfrm>
           <a:prstGeom prst="rect">
@@ -4220,7 +4220,7 @@
         </p:nvSpPr>
         <p:spPr>
           <a:xfrm>
-            <a:off x="949458" y="8370277"/>
+            <a:off x="949458" y="8360752"/>
             <a:ext cx="1898919" cy="402764"/>
           </a:xfrm>
           <a:prstGeom prst="rect">

--- a/images/struktur.pptx
+++ b/images/struktur.pptx
@@ -245,7 +245,7 @@
           <a:p>
             <a:fld id="{7E2D5951-10C4-4C91-A0CB-F2192A9ADFE4}" type="datetimeFigureOut">
               <a:rPr lang="de-DE" smtClean="0"/>
-              <a:t>18.09.2023</a:t>
+              <a:t>21.09.2023</a:t>
             </a:fld>
             <a:endParaRPr lang="de-DE"/>
           </a:p>
@@ -415,7 +415,7 @@
           <a:p>
             <a:fld id="{7E2D5951-10C4-4C91-A0CB-F2192A9ADFE4}" type="datetimeFigureOut">
               <a:rPr lang="de-DE" smtClean="0"/>
-              <a:t>18.09.2023</a:t>
+              <a:t>21.09.2023</a:t>
             </a:fld>
             <a:endParaRPr lang="de-DE"/>
           </a:p>
@@ -595,7 +595,7 @@
           <a:p>
             <a:fld id="{7E2D5951-10C4-4C91-A0CB-F2192A9ADFE4}" type="datetimeFigureOut">
               <a:rPr lang="de-DE" smtClean="0"/>
-              <a:t>18.09.2023</a:t>
+              <a:t>21.09.2023</a:t>
             </a:fld>
             <a:endParaRPr lang="de-DE"/>
           </a:p>
@@ -765,7 +765,7 @@
           <a:p>
             <a:fld id="{7E2D5951-10C4-4C91-A0CB-F2192A9ADFE4}" type="datetimeFigureOut">
               <a:rPr lang="de-DE" smtClean="0"/>
-              <a:t>18.09.2023</a:t>
+              <a:t>21.09.2023</a:t>
             </a:fld>
             <a:endParaRPr lang="de-DE"/>
           </a:p>
@@ -1009,7 +1009,7 @@
           <a:p>
             <a:fld id="{7E2D5951-10C4-4C91-A0CB-F2192A9ADFE4}" type="datetimeFigureOut">
               <a:rPr lang="de-DE" smtClean="0"/>
-              <a:t>18.09.2023</a:t>
+              <a:t>21.09.2023</a:t>
             </a:fld>
             <a:endParaRPr lang="de-DE"/>
           </a:p>
@@ -1241,7 +1241,7 @@
           <a:p>
             <a:fld id="{7E2D5951-10C4-4C91-A0CB-F2192A9ADFE4}" type="datetimeFigureOut">
               <a:rPr lang="de-DE" smtClean="0"/>
-              <a:t>18.09.2023</a:t>
+              <a:t>21.09.2023</a:t>
             </a:fld>
             <a:endParaRPr lang="de-DE"/>
           </a:p>
@@ -1608,7 +1608,7 @@
           <a:p>
             <a:fld id="{7E2D5951-10C4-4C91-A0CB-F2192A9ADFE4}" type="datetimeFigureOut">
               <a:rPr lang="de-DE" smtClean="0"/>
-              <a:t>18.09.2023</a:t>
+              <a:t>21.09.2023</a:t>
             </a:fld>
             <a:endParaRPr lang="de-DE"/>
           </a:p>
@@ -1726,7 +1726,7 @@
           <a:p>
             <a:fld id="{7E2D5951-10C4-4C91-A0CB-F2192A9ADFE4}" type="datetimeFigureOut">
               <a:rPr lang="de-DE" smtClean="0"/>
-              <a:t>18.09.2023</a:t>
+              <a:t>21.09.2023</a:t>
             </a:fld>
             <a:endParaRPr lang="de-DE"/>
           </a:p>
@@ -1821,7 +1821,7 @@
           <a:p>
             <a:fld id="{7E2D5951-10C4-4C91-A0CB-F2192A9ADFE4}" type="datetimeFigureOut">
               <a:rPr lang="de-DE" smtClean="0"/>
-              <a:t>18.09.2023</a:t>
+              <a:t>21.09.2023</a:t>
             </a:fld>
             <a:endParaRPr lang="de-DE"/>
           </a:p>
@@ -2098,7 +2098,7 @@
           <a:p>
             <a:fld id="{7E2D5951-10C4-4C91-A0CB-F2192A9ADFE4}" type="datetimeFigureOut">
               <a:rPr lang="de-DE" smtClean="0"/>
-              <a:t>18.09.2023</a:t>
+              <a:t>21.09.2023</a:t>
             </a:fld>
             <a:endParaRPr lang="de-DE"/>
           </a:p>
@@ -2355,7 +2355,7 @@
           <a:p>
             <a:fld id="{7E2D5951-10C4-4C91-A0CB-F2192A9ADFE4}" type="datetimeFigureOut">
               <a:rPr lang="de-DE" smtClean="0"/>
-              <a:t>18.09.2023</a:t>
+              <a:t>21.09.2023</a:t>
             </a:fld>
             <a:endParaRPr lang="de-DE"/>
           </a:p>
@@ -2568,7 +2568,7 @@
           <a:p>
             <a:fld id="{7E2D5951-10C4-4C91-A0CB-F2192A9ADFE4}" type="datetimeFigureOut">
               <a:rPr lang="de-DE" smtClean="0"/>
-              <a:t>18.09.2023</a:t>
+              <a:t>21.09.2023</a:t>
             </a:fld>
             <a:endParaRPr lang="de-DE"/>
           </a:p>
@@ -3364,6 +3364,111 @@
           </a:p>
         </p:txBody>
       </p:sp>
+      <p:sp>
+        <p:nvSpPr>
+          <p:cNvPr id="2" name="Rechteck 1">
+            <a:extLst>
+              <a:ext uri="{FF2B5EF4-FFF2-40B4-BE49-F238E27FC236}">
+                <a16:creationId xmlns:a16="http://schemas.microsoft.com/office/drawing/2014/main" id="{5EFDF00E-4CD9-A6A8-6FCF-951C2B950225}"/>
+              </a:ext>
+            </a:extLst>
+          </p:cNvPr>
+          <p:cNvSpPr/>
+          <p:nvPr/>
+        </p:nvSpPr>
+        <p:spPr>
+          <a:xfrm>
+            <a:off x="2263140" y="2717840"/>
+            <a:ext cx="572504" cy="271773"/>
+          </a:xfrm>
+          <a:prstGeom prst="rect">
+            <a:avLst/>
+          </a:prstGeom>
+          <a:solidFill>
+            <a:srgbClr val="C00000"/>
+          </a:solidFill>
+        </p:spPr>
+        <p:style>
+          <a:lnRef idx="2">
+            <a:schemeClr val="dk1">
+              <a:shade val="15000"/>
+            </a:schemeClr>
+          </a:lnRef>
+          <a:fillRef idx="1">
+            <a:schemeClr val="dk1"/>
+          </a:fillRef>
+          <a:effectRef idx="0">
+            <a:schemeClr val="dk1"/>
+          </a:effectRef>
+          <a:fontRef idx="minor">
+            <a:schemeClr val="lt1"/>
+          </a:fontRef>
+        </p:style>
+        <p:txBody>
+          <a:bodyPr rtlCol="0" anchor="ctr"/>
+          <a:lstStyle/>
+          <a:p>
+            <a:pPr algn="ctr"/>
+            <a:r>
+              <a:rPr lang="de-DE" sz="1600" dirty="0"/>
+              <a:t>Ort</a:t>
+            </a:r>
+          </a:p>
+        </p:txBody>
+      </p:sp>
+      <p:sp>
+        <p:nvSpPr>
+          <p:cNvPr id="11" name="Pfeil: nach oben gebogen 10">
+            <a:extLst>
+              <a:ext uri="{FF2B5EF4-FFF2-40B4-BE49-F238E27FC236}">
+                <a16:creationId xmlns:a16="http://schemas.microsoft.com/office/drawing/2014/main" id="{BE800766-6A41-1575-F33D-C878387F5BAE}"/>
+              </a:ext>
+            </a:extLst>
+          </p:cNvPr>
+          <p:cNvSpPr/>
+          <p:nvPr/>
+        </p:nvSpPr>
+        <p:spPr>
+          <a:xfrm rot="10800000">
+            <a:off x="1964956" y="2717839"/>
+            <a:ext cx="298184" cy="271773"/>
+          </a:xfrm>
+          <a:prstGeom prst="bentUpArrow">
+            <a:avLst>
+              <a:gd name="adj1" fmla="val 25000"/>
+              <a:gd name="adj2" fmla="val 33411"/>
+              <a:gd name="adj3" fmla="val 44627"/>
+            </a:avLst>
+          </a:prstGeom>
+          <a:solidFill>
+            <a:srgbClr val="C00000"/>
+          </a:solidFill>
+        </p:spPr>
+        <p:style>
+          <a:lnRef idx="2">
+            <a:schemeClr val="dk1">
+              <a:shade val="15000"/>
+            </a:schemeClr>
+          </a:lnRef>
+          <a:fillRef idx="1">
+            <a:schemeClr val="dk1"/>
+          </a:fillRef>
+          <a:effectRef idx="0">
+            <a:schemeClr val="dk1"/>
+          </a:effectRef>
+          <a:fontRef idx="minor">
+            <a:schemeClr val="lt1"/>
+          </a:fontRef>
+        </p:style>
+        <p:txBody>
+          <a:bodyPr rtlCol="0" anchor="ctr"/>
+          <a:lstStyle/>
+          <a:p>
+            <a:pPr algn="ctr"/>
+            <a:endParaRPr lang="de-DE" sz="1600"/>
+          </a:p>
+        </p:txBody>
+      </p:sp>
     </p:spTree>
     <p:extLst>
       <p:ext uri="{BB962C8B-B14F-4D97-AF65-F5344CB8AC3E}">

--- a/images/struktur.pptx
+++ b/images/struktur.pptx
@@ -245,7 +245,7 @@
           <a:p>
             <a:fld id="{7E2D5951-10C4-4C91-A0CB-F2192A9ADFE4}" type="datetimeFigureOut">
               <a:rPr lang="de-DE" smtClean="0"/>
-              <a:t>21.09.2023</a:t>
+              <a:t>26.09.2023</a:t>
             </a:fld>
             <a:endParaRPr lang="de-DE"/>
           </a:p>
@@ -415,7 +415,7 @@
           <a:p>
             <a:fld id="{7E2D5951-10C4-4C91-A0CB-F2192A9ADFE4}" type="datetimeFigureOut">
               <a:rPr lang="de-DE" smtClean="0"/>
-              <a:t>21.09.2023</a:t>
+              <a:t>26.09.2023</a:t>
             </a:fld>
             <a:endParaRPr lang="de-DE"/>
           </a:p>
@@ -595,7 +595,7 @@
           <a:p>
             <a:fld id="{7E2D5951-10C4-4C91-A0CB-F2192A9ADFE4}" type="datetimeFigureOut">
               <a:rPr lang="de-DE" smtClean="0"/>
-              <a:t>21.09.2023</a:t>
+              <a:t>26.09.2023</a:t>
             </a:fld>
             <a:endParaRPr lang="de-DE"/>
           </a:p>
@@ -765,7 +765,7 @@
           <a:p>
             <a:fld id="{7E2D5951-10C4-4C91-A0CB-F2192A9ADFE4}" type="datetimeFigureOut">
               <a:rPr lang="de-DE" smtClean="0"/>
-              <a:t>21.09.2023</a:t>
+              <a:t>26.09.2023</a:t>
             </a:fld>
             <a:endParaRPr lang="de-DE"/>
           </a:p>
@@ -1009,7 +1009,7 @@
           <a:p>
             <a:fld id="{7E2D5951-10C4-4C91-A0CB-F2192A9ADFE4}" type="datetimeFigureOut">
               <a:rPr lang="de-DE" smtClean="0"/>
-              <a:t>21.09.2023</a:t>
+              <a:t>26.09.2023</a:t>
             </a:fld>
             <a:endParaRPr lang="de-DE"/>
           </a:p>
@@ -1241,7 +1241,7 @@
           <a:p>
             <a:fld id="{7E2D5951-10C4-4C91-A0CB-F2192A9ADFE4}" type="datetimeFigureOut">
               <a:rPr lang="de-DE" smtClean="0"/>
-              <a:t>21.09.2023</a:t>
+              <a:t>26.09.2023</a:t>
             </a:fld>
             <a:endParaRPr lang="de-DE"/>
           </a:p>
@@ -1608,7 +1608,7 @@
           <a:p>
             <a:fld id="{7E2D5951-10C4-4C91-A0CB-F2192A9ADFE4}" type="datetimeFigureOut">
               <a:rPr lang="de-DE" smtClean="0"/>
-              <a:t>21.09.2023</a:t>
+              <a:t>26.09.2023</a:t>
             </a:fld>
             <a:endParaRPr lang="de-DE"/>
           </a:p>
@@ -1726,7 +1726,7 @@
           <a:p>
             <a:fld id="{7E2D5951-10C4-4C91-A0CB-F2192A9ADFE4}" type="datetimeFigureOut">
               <a:rPr lang="de-DE" smtClean="0"/>
-              <a:t>21.09.2023</a:t>
+              <a:t>26.09.2023</a:t>
             </a:fld>
             <a:endParaRPr lang="de-DE"/>
           </a:p>
@@ -1821,7 +1821,7 @@
           <a:p>
             <a:fld id="{7E2D5951-10C4-4C91-A0CB-F2192A9ADFE4}" type="datetimeFigureOut">
               <a:rPr lang="de-DE" smtClean="0"/>
-              <a:t>21.09.2023</a:t>
+              <a:t>26.09.2023</a:t>
             </a:fld>
             <a:endParaRPr lang="de-DE"/>
           </a:p>
@@ -2098,7 +2098,7 @@
           <a:p>
             <a:fld id="{7E2D5951-10C4-4C91-A0CB-F2192A9ADFE4}" type="datetimeFigureOut">
               <a:rPr lang="de-DE" smtClean="0"/>
-              <a:t>21.09.2023</a:t>
+              <a:t>26.09.2023</a:t>
             </a:fld>
             <a:endParaRPr lang="de-DE"/>
           </a:p>
@@ -2355,7 +2355,7 @@
           <a:p>
             <a:fld id="{7E2D5951-10C4-4C91-A0CB-F2192A9ADFE4}" type="datetimeFigureOut">
               <a:rPr lang="de-DE" smtClean="0"/>
-              <a:t>21.09.2023</a:t>
+              <a:t>26.09.2023</a:t>
             </a:fld>
             <a:endParaRPr lang="de-DE"/>
           </a:p>
@@ -2568,7 +2568,7 @@
           <a:p>
             <a:fld id="{7E2D5951-10C4-4C91-A0CB-F2192A9ADFE4}" type="datetimeFigureOut">
               <a:rPr lang="de-DE" smtClean="0"/>
-              <a:t>21.09.2023</a:t>
+              <a:t>26.09.2023</a:t>
             </a:fld>
             <a:endParaRPr lang="de-DE"/>
           </a:p>
@@ -3024,7 +3024,7 @@
             <a:avLst/>
           </a:prstGeom>
           <a:solidFill>
-            <a:srgbClr val="C00000"/>
+            <a:srgbClr val="769E3C"/>
           </a:solidFill>
         </p:spPr>
         <p:style>
@@ -3076,7 +3076,7 @@
             <a:avLst/>
           </a:prstGeom>
           <a:solidFill>
-            <a:srgbClr val="C00000"/>
+            <a:srgbClr val="769E3C"/>
           </a:solidFill>
         </p:spPr>
         <p:style>
@@ -3128,7 +3128,7 @@
             <a:avLst/>
           </a:prstGeom>
           <a:solidFill>
-            <a:srgbClr val="C00000"/>
+            <a:srgbClr val="769E3C"/>
           </a:solidFill>
         </p:spPr>
         <p:style>
@@ -3180,7 +3180,7 @@
             <a:avLst/>
           </a:prstGeom>
           <a:solidFill>
-            <a:srgbClr val="C00000"/>
+            <a:srgbClr val="769E3C"/>
           </a:solidFill>
         </p:spPr>
         <p:style>
@@ -3232,7 +3232,7 @@
             <a:avLst/>
           </a:prstGeom>
           <a:solidFill>
-            <a:srgbClr val="C00000"/>
+            <a:srgbClr val="769E3C"/>
           </a:solidFill>
         </p:spPr>
         <p:style>
@@ -3284,7 +3284,7 @@
             <a:avLst/>
           </a:prstGeom>
           <a:solidFill>
-            <a:srgbClr val="C00000"/>
+            <a:srgbClr val="769E3C"/>
           </a:solidFill>
         </p:spPr>
         <p:style>
@@ -3333,7 +3333,7 @@
             <a:avLst/>
           </a:prstGeom>
           <a:solidFill>
-            <a:srgbClr val="C00000"/>
+            <a:srgbClr val="769E3C"/>
           </a:solidFill>
         </p:spPr>
         <p:style>
@@ -3385,7 +3385,7 @@
             <a:avLst/>
           </a:prstGeom>
           <a:solidFill>
-            <a:srgbClr val="C00000"/>
+            <a:srgbClr val="769E3C"/>
           </a:solidFill>
         </p:spPr>
         <p:style>
@@ -3441,7 +3441,7 @@
             </a:avLst>
           </a:prstGeom>
           <a:solidFill>
-            <a:srgbClr val="C00000"/>
+            <a:srgbClr val="769E3C"/>
           </a:solidFill>
         </p:spPr>
         <p:style>
@@ -3550,7 +3550,7 @@
             <a:avLst/>
           </a:prstGeom>
           <a:solidFill>
-            <a:srgbClr val="C00000"/>
+            <a:srgbClr val="769E3C"/>
           </a:solidFill>
         </p:spPr>
         <p:style>
@@ -3602,7 +3602,7 @@
             <a:avLst/>
           </a:prstGeom>
           <a:solidFill>
-            <a:srgbClr val="C00000"/>
+            <a:srgbClr val="769E3C"/>
           </a:solidFill>
         </p:spPr>
         <p:style>
@@ -3684,7 +3684,7 @@
             <a:avLst/>
           </a:prstGeom>
           <a:solidFill>
-            <a:srgbClr val="C00000"/>
+            <a:srgbClr val="769E3C"/>
           </a:solidFill>
         </p:spPr>
         <p:style>
@@ -3743,6 +3743,9 @@
           <a:prstGeom prst="rect">
             <a:avLst/>
           </a:prstGeom>
+          <a:solidFill>
+            <a:srgbClr val="769E3C"/>
+          </a:solidFill>
         </p:spPr>
       </p:pic>
       <p:sp>
@@ -3766,7 +3769,7 @@
             <a:avLst/>
           </a:prstGeom>
           <a:solidFill>
-            <a:srgbClr val="C00000"/>
+            <a:srgbClr val="769E3C"/>
           </a:solidFill>
         </p:spPr>
         <p:style>
@@ -3818,7 +3821,7 @@
             <a:avLst/>
           </a:prstGeom>
           <a:solidFill>
-            <a:srgbClr val="C00000"/>
+            <a:srgbClr val="769E3C"/>
           </a:solidFill>
         </p:spPr>
         <p:style>
@@ -3870,7 +3873,7 @@
             <a:avLst/>
           </a:prstGeom>
           <a:solidFill>
-            <a:srgbClr val="C00000"/>
+            <a:srgbClr val="769E3C"/>
           </a:solidFill>
         </p:spPr>
         <p:style>
@@ -3922,7 +3925,7 @@
             <a:avLst/>
           </a:prstGeom>
           <a:solidFill>
-            <a:srgbClr val="C00000"/>
+            <a:srgbClr val="769E3C"/>
           </a:solidFill>
         </p:spPr>
         <p:style>
@@ -3974,7 +3977,7 @@
             <a:avLst/>
           </a:prstGeom>
           <a:solidFill>
-            <a:srgbClr val="C00000"/>
+            <a:srgbClr val="769E3C"/>
           </a:solidFill>
         </p:spPr>
         <p:style>
@@ -4026,7 +4029,7 @@
             <a:avLst/>
           </a:prstGeom>
           <a:solidFill>
-            <a:srgbClr val="C00000"/>
+            <a:srgbClr val="769E3C"/>
           </a:solidFill>
         </p:spPr>
         <p:style>
@@ -4078,7 +4081,7 @@
             <a:avLst/>
           </a:prstGeom>
           <a:solidFill>
-            <a:srgbClr val="C00000"/>
+            <a:srgbClr val="769E3C"/>
           </a:solidFill>
         </p:spPr>
         <p:style>
@@ -4127,7 +4130,7 @@
             <a:avLst/>
           </a:prstGeom>
           <a:solidFill>
-            <a:srgbClr val="C00000"/>
+            <a:srgbClr val="769E3C"/>
           </a:solidFill>
         </p:spPr>
         <p:style>
@@ -4179,7 +4182,7 @@
             <a:avLst/>
           </a:prstGeom>
           <a:solidFill>
-            <a:srgbClr val="C00000"/>
+            <a:srgbClr val="769E3C"/>
           </a:solidFill>
         </p:spPr>
         <p:style>
@@ -4231,7 +4234,7 @@
             <a:avLst/>
           </a:prstGeom>
           <a:solidFill>
-            <a:srgbClr val="C00000"/>
+            <a:srgbClr val="769E3C"/>
           </a:solidFill>
         </p:spPr>
         <p:style>
@@ -4283,7 +4286,7 @@
             <a:avLst/>
           </a:prstGeom>
           <a:solidFill>
-            <a:srgbClr val="C00000"/>
+            <a:srgbClr val="769E3C"/>
           </a:solidFill>
         </p:spPr>
         <p:style>
@@ -4332,7 +4335,7 @@
             <a:avLst/>
           </a:prstGeom>
           <a:solidFill>
-            <a:srgbClr val="C00000"/>
+            <a:srgbClr val="769E3C"/>
           </a:solidFill>
         </p:spPr>
         <p:style>
